--- a/simplefly/linear combo/phase diagram.pptx
+++ b/simplefly/linear combo/phase diagram.pptx
@@ -104,6 +104,11 @@
       </a:defRPr>
     </a:lvl9pPr>
   </p:defaultTextStyle>
+  <p:extLst>
+    <p:ext uri="{EFAFB233-063F-42B5-8137-9DF3F51BA10A}">
+      <p15:sldGuideLst xmlns:p15="http://schemas.microsoft.com/office/powerpoint/2012/main"/>
+    </p:ext>
+  </p:extLst>
 </p:presentation>
 </file>
 
@@ -254,7 +259,7 @@
           <a:p>
             <a:fld id="{2184717B-957F-2B47-AF58-819BC7F72F95}" type="datetimeFigureOut">
               <a:rPr lang="en-US" smtClean="0"/>
-              <a:t>5/28/20</a:t>
+              <a:t>5/29/20</a:t>
             </a:fld>
             <a:endParaRPr lang="en-US"/>
           </a:p>
@@ -452,7 +457,7 @@
           <a:p>
             <a:fld id="{2184717B-957F-2B47-AF58-819BC7F72F95}" type="datetimeFigureOut">
               <a:rPr lang="en-US" smtClean="0"/>
-              <a:t>5/28/20</a:t>
+              <a:t>5/29/20</a:t>
             </a:fld>
             <a:endParaRPr lang="en-US"/>
           </a:p>
@@ -660,7 +665,7 @@
           <a:p>
             <a:fld id="{2184717B-957F-2B47-AF58-819BC7F72F95}" type="datetimeFigureOut">
               <a:rPr lang="en-US" smtClean="0"/>
-              <a:t>5/28/20</a:t>
+              <a:t>5/29/20</a:t>
             </a:fld>
             <a:endParaRPr lang="en-US"/>
           </a:p>
@@ -858,7 +863,7 @@
           <a:p>
             <a:fld id="{2184717B-957F-2B47-AF58-819BC7F72F95}" type="datetimeFigureOut">
               <a:rPr lang="en-US" smtClean="0"/>
-              <a:t>5/28/20</a:t>
+              <a:t>5/29/20</a:t>
             </a:fld>
             <a:endParaRPr lang="en-US"/>
           </a:p>
@@ -1133,7 +1138,7 @@
           <a:p>
             <a:fld id="{2184717B-957F-2B47-AF58-819BC7F72F95}" type="datetimeFigureOut">
               <a:rPr lang="en-US" smtClean="0"/>
-              <a:t>5/28/20</a:t>
+              <a:t>5/29/20</a:t>
             </a:fld>
             <a:endParaRPr lang="en-US"/>
           </a:p>
@@ -1398,7 +1403,7 @@
           <a:p>
             <a:fld id="{2184717B-957F-2B47-AF58-819BC7F72F95}" type="datetimeFigureOut">
               <a:rPr lang="en-US" smtClean="0"/>
-              <a:t>5/28/20</a:t>
+              <a:t>5/29/20</a:t>
             </a:fld>
             <a:endParaRPr lang="en-US"/>
           </a:p>
@@ -1810,7 +1815,7 @@
           <a:p>
             <a:fld id="{2184717B-957F-2B47-AF58-819BC7F72F95}" type="datetimeFigureOut">
               <a:rPr lang="en-US" smtClean="0"/>
-              <a:t>5/28/20</a:t>
+              <a:t>5/29/20</a:t>
             </a:fld>
             <a:endParaRPr lang="en-US"/>
           </a:p>
@@ -1951,7 +1956,7 @@
           <a:p>
             <a:fld id="{2184717B-957F-2B47-AF58-819BC7F72F95}" type="datetimeFigureOut">
               <a:rPr lang="en-US" smtClean="0"/>
-              <a:t>5/28/20</a:t>
+              <a:t>5/29/20</a:t>
             </a:fld>
             <a:endParaRPr lang="en-US"/>
           </a:p>
@@ -2064,7 +2069,7 @@
           <a:p>
             <a:fld id="{2184717B-957F-2B47-AF58-819BC7F72F95}" type="datetimeFigureOut">
               <a:rPr lang="en-US" smtClean="0"/>
-              <a:t>5/28/20</a:t>
+              <a:t>5/29/20</a:t>
             </a:fld>
             <a:endParaRPr lang="en-US"/>
           </a:p>
@@ -2375,7 +2380,7 @@
           <a:p>
             <a:fld id="{2184717B-957F-2B47-AF58-819BC7F72F95}" type="datetimeFigureOut">
               <a:rPr lang="en-US" smtClean="0"/>
-              <a:t>5/28/20</a:t>
+              <a:t>5/29/20</a:t>
             </a:fld>
             <a:endParaRPr lang="en-US"/>
           </a:p>
@@ -2663,7 +2668,7 @@
           <a:p>
             <a:fld id="{2184717B-957F-2B47-AF58-819BC7F72F95}" type="datetimeFigureOut">
               <a:rPr lang="en-US" smtClean="0"/>
-              <a:t>5/28/20</a:t>
+              <a:t>5/29/20</a:t>
             </a:fld>
             <a:endParaRPr lang="en-US"/>
           </a:p>
@@ -2904,7 +2909,7 @@
           <a:p>
             <a:fld id="{2184717B-957F-2B47-AF58-819BC7F72F95}" type="datetimeFigureOut">
               <a:rPr lang="en-US" smtClean="0"/>
-              <a:t>5/28/20</a:t>
+              <a:t>5/29/20</a:t>
             </a:fld>
             <a:endParaRPr lang="en-US"/>
           </a:p>
@@ -3337,7 +3342,12 @@
             <p:ph type="ctrTitle"/>
           </p:nvPr>
         </p:nvSpPr>
-        <p:spPr/>
+        <p:spPr>
+          <a:xfrm>
+            <a:off x="1228572" y="1164567"/>
+            <a:ext cx="9144000" cy="2387600"/>
+          </a:xfrm>
+        </p:spPr>
         <p:txBody>
           <a:bodyPr/>
           <a:lstStyle/>
@@ -3365,7 +3375,12 @@
             <p:ph type="subTitle" idx="1"/>
           </p:nvPr>
         </p:nvSpPr>
-        <p:spPr/>
+        <p:spPr>
+          <a:xfrm>
+            <a:off x="1228572" y="3644242"/>
+            <a:ext cx="9144000" cy="1655762"/>
+          </a:xfrm>
+        </p:spPr>
         <p:txBody>
           <a:bodyPr/>
           <a:lstStyle/>
@@ -3396,8 +3411,8 @@
         </p:blipFill>
         <p:spPr>
           <a:xfrm>
-            <a:off x="1200150" y="601663"/>
-            <a:ext cx="9791700" cy="5816600"/>
+            <a:off x="351773" y="-1800664"/>
+            <a:ext cx="11544799" cy="8700868"/>
           </a:xfrm>
           <a:prstGeom prst="rect">
             <a:avLst/>
@@ -3418,7 +3433,7 @@
         </p:nvSpPr>
         <p:spPr>
           <a:xfrm>
-            <a:off x="876300" y="4429919"/>
+            <a:off x="50087" y="4019660"/>
             <a:ext cx="301686" cy="369332"/>
           </a:xfrm>
           <a:prstGeom prst="rect">
@@ -3453,7 +3468,7 @@
         </p:nvSpPr>
         <p:spPr>
           <a:xfrm>
-            <a:off x="957922" y="3417372"/>
+            <a:off x="78223" y="2535687"/>
             <a:ext cx="301686" cy="369332"/>
           </a:xfrm>
           <a:prstGeom prst="rect">
@@ -3488,7 +3503,7 @@
         </p:nvSpPr>
         <p:spPr>
           <a:xfrm>
-            <a:off x="957922" y="2747535"/>
+            <a:off x="78223" y="1514157"/>
             <a:ext cx="301686" cy="369332"/>
           </a:xfrm>
           <a:prstGeom prst="rect">
@@ -3523,7 +3538,7 @@
         </p:nvSpPr>
         <p:spPr>
           <a:xfrm>
-            <a:off x="957922" y="2248296"/>
+            <a:off x="78223" y="690517"/>
             <a:ext cx="301686" cy="369332"/>
           </a:xfrm>
           <a:prstGeom prst="rect">
@@ -3566,7 +3581,7 @@
         </p:blipFill>
         <p:spPr>
           <a:xfrm>
-            <a:off x="3330310" y="5349875"/>
+            <a:off x="2989905" y="5775881"/>
             <a:ext cx="1630754" cy="580231"/>
           </a:xfrm>
           <a:prstGeom prst="rect">
@@ -3596,7 +3611,7 @@
         </p:blipFill>
         <p:spPr>
           <a:xfrm>
-            <a:off x="3330310" y="4670488"/>
+            <a:off x="3006746" y="4515745"/>
             <a:ext cx="1633087" cy="587312"/>
           </a:xfrm>
           <a:prstGeom prst="rect">
@@ -3626,7 +3641,7 @@
         </p:blipFill>
         <p:spPr>
           <a:xfrm>
-            <a:off x="3330310" y="3835314"/>
+            <a:off x="3034882" y="3181668"/>
             <a:ext cx="1630754" cy="576845"/>
           </a:xfrm>
           <a:prstGeom prst="rect">
@@ -3656,7 +3671,7 @@
         </p:blipFill>
         <p:spPr>
           <a:xfrm>
-            <a:off x="3330310" y="2172616"/>
+            <a:off x="3034882" y="607229"/>
             <a:ext cx="1630754" cy="574616"/>
           </a:xfrm>
           <a:prstGeom prst="rect">
@@ -3686,7 +3701,7 @@
         </p:blipFill>
         <p:spPr>
           <a:xfrm>
-            <a:off x="5444342" y="5462340"/>
+            <a:off x="5384992" y="5702407"/>
             <a:ext cx="1229173" cy="714312"/>
           </a:xfrm>
           <a:prstGeom prst="rect">
@@ -3716,7 +3731,7 @@
         </p:blipFill>
         <p:spPr>
           <a:xfrm>
-            <a:off x="5444342" y="4662139"/>
+            <a:off x="5422463" y="4444846"/>
             <a:ext cx="1229173" cy="715840"/>
           </a:xfrm>
           <a:prstGeom prst="rect">
@@ -3746,7 +3761,7 @@
         </p:blipFill>
         <p:spPr>
           <a:xfrm>
-            <a:off x="5431013" y="3765403"/>
+            <a:off x="5458399" y="3099295"/>
             <a:ext cx="1226187" cy="716665"/>
           </a:xfrm>
           <a:prstGeom prst="rect">
@@ -3776,8 +3791,128 @@
         </p:blipFill>
         <p:spPr>
           <a:xfrm>
-            <a:off x="5444342" y="2048606"/>
+            <a:off x="5458399" y="483219"/>
             <a:ext cx="1212858" cy="729629"/>
+          </a:xfrm>
+          <a:prstGeom prst="rect">
+            <a:avLst/>
+          </a:prstGeom>
+        </p:spPr>
+      </p:pic>
+      <p:pic>
+        <p:nvPicPr>
+          <p:cNvPr id="7" name="Picture 6">
+            <a:extLst>
+              <a:ext uri="{FF2B5EF4-FFF2-40B4-BE49-F238E27FC236}">
+                <a16:creationId xmlns:a16="http://schemas.microsoft.com/office/drawing/2014/main" id="{451F6BBB-5598-E048-8F23-9E478665BF68}"/>
+              </a:ext>
+            </a:extLst>
+          </p:cNvPr>
+          <p:cNvPicPr>
+            <a:picLocks noChangeAspect="1"/>
+          </p:cNvPicPr>
+          <p:nvPr/>
+        </p:nvPicPr>
+        <p:blipFill>
+          <a:blip r:embed="rId11"/>
+          <a:stretch>
+            <a:fillRect/>
+          </a:stretch>
+        </p:blipFill>
+        <p:spPr>
+          <a:xfrm>
+            <a:off x="7683765" y="5507629"/>
+            <a:ext cx="1226187" cy="1012937"/>
+          </a:xfrm>
+          <a:prstGeom prst="rect">
+            <a:avLst/>
+          </a:prstGeom>
+        </p:spPr>
+      </p:pic>
+      <p:pic>
+        <p:nvPicPr>
+          <p:cNvPr id="17" name="Picture 16">
+            <a:extLst>
+              <a:ext uri="{FF2B5EF4-FFF2-40B4-BE49-F238E27FC236}">
+                <a16:creationId xmlns:a16="http://schemas.microsoft.com/office/drawing/2014/main" id="{9887621C-403B-2848-B154-92C26D88679C}"/>
+              </a:ext>
+            </a:extLst>
+          </p:cNvPr>
+          <p:cNvPicPr>
+            <a:picLocks noChangeAspect="1"/>
+          </p:cNvPicPr>
+          <p:nvPr/>
+        </p:nvPicPr>
+        <p:blipFill>
+          <a:blip r:embed="rId12"/>
+          <a:stretch>
+            <a:fillRect/>
+          </a:stretch>
+        </p:blipFill>
+        <p:spPr>
+          <a:xfrm>
+            <a:off x="7689238" y="4286354"/>
+            <a:ext cx="1220714" cy="1013650"/>
+          </a:xfrm>
+          <a:prstGeom prst="rect">
+            <a:avLst/>
+          </a:prstGeom>
+        </p:spPr>
+      </p:pic>
+      <p:pic>
+        <p:nvPicPr>
+          <p:cNvPr id="21" name="Picture 20">
+            <a:extLst>
+              <a:ext uri="{FF2B5EF4-FFF2-40B4-BE49-F238E27FC236}">
+                <a16:creationId xmlns:a16="http://schemas.microsoft.com/office/drawing/2014/main" id="{2B2E24D2-E247-D54C-936C-6CEABF96FA5F}"/>
+              </a:ext>
+            </a:extLst>
+          </p:cNvPr>
+          <p:cNvPicPr>
+            <a:picLocks noChangeAspect="1"/>
+          </p:cNvPicPr>
+          <p:nvPr/>
+        </p:nvPicPr>
+        <p:blipFill>
+          <a:blip r:embed="rId13"/>
+          <a:stretch>
+            <a:fillRect/>
+          </a:stretch>
+        </p:blipFill>
+        <p:spPr>
+          <a:xfrm>
+            <a:off x="7711901" y="2972068"/>
+            <a:ext cx="1211698" cy="995493"/>
+          </a:xfrm>
+          <a:prstGeom prst="rect">
+            <a:avLst/>
+          </a:prstGeom>
+        </p:spPr>
+      </p:pic>
+      <p:pic>
+        <p:nvPicPr>
+          <p:cNvPr id="24" name="Picture 23">
+            <a:extLst>
+              <a:ext uri="{FF2B5EF4-FFF2-40B4-BE49-F238E27FC236}">
+                <a16:creationId xmlns:a16="http://schemas.microsoft.com/office/drawing/2014/main" id="{C03E3051-96C1-3348-AE5D-E697CD1801D9}"/>
+              </a:ext>
+            </a:extLst>
+          </p:cNvPr>
+          <p:cNvPicPr>
+            <a:picLocks noChangeAspect="1"/>
+          </p:cNvPicPr>
+          <p:nvPr/>
+        </p:nvPicPr>
+        <p:blipFill>
+          <a:blip r:embed="rId14"/>
+          <a:stretch>
+            <a:fillRect/>
+          </a:stretch>
+        </p:blipFill>
+        <p:spPr>
+          <a:xfrm>
+            <a:off x="7711901" y="365586"/>
+            <a:ext cx="1239834" cy="1034418"/>
           </a:xfrm>
           <a:prstGeom prst="rect">
             <a:avLst/>
